--- a/i - Ancient of Days (Though the Nations Rage).pptx
+++ b/i - Ancient of Days (Though the Nations Rage).pptx
@@ -244,7 +244,7 @@
           <a:p>
             <a:fld id="{32F7251A-AE54-443C-B8FE-5F636E835EBF}" type="datetimeFigureOut">
               <a:rPr lang="en-US" smtClean="0"/>
-              <a:t>8/2/2020</a:t>
+              <a:t>11/6/2020</a:t>
             </a:fld>
             <a:endParaRPr lang="en-US"/>
           </a:p>
@@ -412,7 +412,7 @@
           <a:p>
             <a:fld id="{32F7251A-AE54-443C-B8FE-5F636E835EBF}" type="datetimeFigureOut">
               <a:rPr lang="en-US" smtClean="0"/>
-              <a:t>8/2/2020</a:t>
+              <a:t>11/6/2020</a:t>
             </a:fld>
             <a:endParaRPr lang="en-US"/>
           </a:p>
@@ -590,7 +590,7 @@
           <a:p>
             <a:fld id="{32F7251A-AE54-443C-B8FE-5F636E835EBF}" type="datetimeFigureOut">
               <a:rPr lang="en-US" smtClean="0"/>
-              <a:t>8/2/2020</a:t>
+              <a:t>11/6/2020</a:t>
             </a:fld>
             <a:endParaRPr lang="en-US"/>
           </a:p>
@@ -758,7 +758,7 @@
           <a:p>
             <a:fld id="{32F7251A-AE54-443C-B8FE-5F636E835EBF}" type="datetimeFigureOut">
               <a:rPr lang="en-US" smtClean="0"/>
-              <a:t>8/2/2020</a:t>
+              <a:t>11/6/2020</a:t>
             </a:fld>
             <a:endParaRPr lang="en-US"/>
           </a:p>
@@ -1003,7 +1003,7 @@
           <a:p>
             <a:fld id="{32F7251A-AE54-443C-B8FE-5F636E835EBF}" type="datetimeFigureOut">
               <a:rPr lang="en-US" smtClean="0"/>
-              <a:t>8/2/2020</a:t>
+              <a:t>11/6/2020</a:t>
             </a:fld>
             <a:endParaRPr lang="en-US"/>
           </a:p>
@@ -1232,7 +1232,7 @@
           <a:p>
             <a:fld id="{32F7251A-AE54-443C-B8FE-5F636E835EBF}" type="datetimeFigureOut">
               <a:rPr lang="en-US" smtClean="0"/>
-              <a:t>8/2/2020</a:t>
+              <a:t>11/6/2020</a:t>
             </a:fld>
             <a:endParaRPr lang="en-US"/>
           </a:p>
@@ -1596,7 +1596,7 @@
           <a:p>
             <a:fld id="{32F7251A-AE54-443C-B8FE-5F636E835EBF}" type="datetimeFigureOut">
               <a:rPr lang="en-US" smtClean="0"/>
-              <a:t>8/2/2020</a:t>
+              <a:t>11/6/2020</a:t>
             </a:fld>
             <a:endParaRPr lang="en-US"/>
           </a:p>
@@ -1713,7 +1713,7 @@
           <a:p>
             <a:fld id="{32F7251A-AE54-443C-B8FE-5F636E835EBF}" type="datetimeFigureOut">
               <a:rPr lang="en-US" smtClean="0"/>
-              <a:t>8/2/2020</a:t>
+              <a:t>11/6/2020</a:t>
             </a:fld>
             <a:endParaRPr lang="en-US"/>
           </a:p>
@@ -1808,7 +1808,7 @@
           <a:p>
             <a:fld id="{32F7251A-AE54-443C-B8FE-5F636E835EBF}" type="datetimeFigureOut">
               <a:rPr lang="en-US" smtClean="0"/>
-              <a:t>8/2/2020</a:t>
+              <a:t>11/6/2020</a:t>
             </a:fld>
             <a:endParaRPr lang="en-US"/>
           </a:p>
@@ -2083,7 +2083,7 @@
           <a:p>
             <a:fld id="{32F7251A-AE54-443C-B8FE-5F636E835EBF}" type="datetimeFigureOut">
               <a:rPr lang="en-US" smtClean="0"/>
-              <a:t>8/2/2020</a:t>
+              <a:t>11/6/2020</a:t>
             </a:fld>
             <a:endParaRPr lang="en-US"/>
           </a:p>
@@ -2335,7 +2335,7 @@
           <a:p>
             <a:fld id="{32F7251A-AE54-443C-B8FE-5F636E835EBF}" type="datetimeFigureOut">
               <a:rPr lang="en-US" smtClean="0"/>
-              <a:t>8/2/2020</a:t>
+              <a:t>11/6/2020</a:t>
             </a:fld>
             <a:endParaRPr lang="en-US"/>
           </a:p>
@@ -2551,7 +2551,7 @@
           <a:p>
             <a:fld id="{32F7251A-AE54-443C-B8FE-5F636E835EBF}" type="datetimeFigureOut">
               <a:rPr lang="en-US" smtClean="0"/>
-              <a:t>8/2/2020</a:t>
+              <a:t>11/6/2020</a:t>
             </a:fld>
             <a:endParaRPr lang="en-US"/>
           </a:p>
